--- a/Pictures/Meetup.pptx
+++ b/Pictures/Meetup.pptx
@@ -106,7 +106,7 @@
   </p:defaultTextStyle>
   <p:extLst>
     <p:ext uri="{EFAFB233-063F-42B5-8137-9DF3F51BA10A}">
-      <p15:sldGuideLst xmlns:p15="http://schemas.microsoft.com/office/powerpoint/2012/main" xmlns="">
+      <p15:sldGuideLst xmlns:p15="http://schemas.microsoft.com/office/powerpoint/2012/main">
         <p15:guide id="1" orient="horz" pos="2160">
           <p15:clr>
             <a:srgbClr val="A4A3A4"/>
@@ -145,7 +145,7 @@
           <p:cNvPr id="2" name="Title 1">
             <a:extLst>
               <a:ext uri="{FF2B5EF4-FFF2-40B4-BE49-F238E27FC236}">
-                <a16:creationId xmlns:a16="http://schemas.microsoft.com/office/drawing/2014/main" xmlns="" id="{26BE5BE0-EE5D-4AB4-B6B7-80E93F033CE0}"/>
+                <a16:creationId xmlns:a16="http://schemas.microsoft.com/office/drawing/2014/main" id="{26BE5BE0-EE5D-4AB4-B6B7-80E93F033CE0}"/>
               </a:ext>
             </a:extLst>
           </p:cNvPr>
@@ -182,7 +182,7 @@
           <p:cNvPr id="3" name="Subtitle 2">
             <a:extLst>
               <a:ext uri="{FF2B5EF4-FFF2-40B4-BE49-F238E27FC236}">
-                <a16:creationId xmlns:a16="http://schemas.microsoft.com/office/drawing/2014/main" xmlns="" id="{60C251B1-46D3-494B-B062-251E7204CE5A}"/>
+                <a16:creationId xmlns:a16="http://schemas.microsoft.com/office/drawing/2014/main" id="{60C251B1-46D3-494B-B062-251E7204CE5A}"/>
               </a:ext>
             </a:extLst>
           </p:cNvPr>
@@ -252,7 +252,7 @@
           <p:cNvPr id="4" name="Date Placeholder 3">
             <a:extLst>
               <a:ext uri="{FF2B5EF4-FFF2-40B4-BE49-F238E27FC236}">
-                <a16:creationId xmlns:a16="http://schemas.microsoft.com/office/drawing/2014/main" xmlns="" id="{24F5C6D8-6EBB-4C26-9699-1C4EA5F8BFFA}"/>
+                <a16:creationId xmlns:a16="http://schemas.microsoft.com/office/drawing/2014/main" id="{24F5C6D8-6EBB-4C26-9699-1C4EA5F8BFFA}"/>
               </a:ext>
             </a:extLst>
           </p:cNvPr>
@@ -270,7 +270,7 @@
           <a:p>
             <a:fld id="{2178D830-3F43-4FD1-8429-BB0A4D09BA8E}" type="datetimeFigureOut">
               <a:rPr lang="en-US" smtClean="0"/>
-              <a:t>3/21/2018</a:t>
+              <a:t>3/26/2018</a:t>
             </a:fld>
             <a:endParaRPr lang="en-US"/>
           </a:p>
@@ -281,7 +281,7 @@
           <p:cNvPr id="5" name="Footer Placeholder 4">
             <a:extLst>
               <a:ext uri="{FF2B5EF4-FFF2-40B4-BE49-F238E27FC236}">
-                <a16:creationId xmlns:a16="http://schemas.microsoft.com/office/drawing/2014/main" xmlns="" id="{B5F356FD-45D3-4446-8357-AE2980E2F24A}"/>
+                <a16:creationId xmlns:a16="http://schemas.microsoft.com/office/drawing/2014/main" id="{B5F356FD-45D3-4446-8357-AE2980E2F24A}"/>
               </a:ext>
             </a:extLst>
           </p:cNvPr>
@@ -306,7 +306,7 @@
           <p:cNvPr id="6" name="Slide Number Placeholder 5">
             <a:extLst>
               <a:ext uri="{FF2B5EF4-FFF2-40B4-BE49-F238E27FC236}">
-                <a16:creationId xmlns:a16="http://schemas.microsoft.com/office/drawing/2014/main" xmlns="" id="{2A95078C-E433-4C61-B5F7-9AC8389379D1}"/>
+                <a16:creationId xmlns:a16="http://schemas.microsoft.com/office/drawing/2014/main" id="{2A95078C-E433-4C61-B5F7-9AC8389379D1}"/>
               </a:ext>
             </a:extLst>
           </p:cNvPr>
@@ -365,7 +365,7 @@
           <p:cNvPr id="2" name="Title 1">
             <a:extLst>
               <a:ext uri="{FF2B5EF4-FFF2-40B4-BE49-F238E27FC236}">
-                <a16:creationId xmlns:a16="http://schemas.microsoft.com/office/drawing/2014/main" xmlns="" id="{78EC53B8-F088-40DA-A707-CBC008624F57}"/>
+                <a16:creationId xmlns:a16="http://schemas.microsoft.com/office/drawing/2014/main" id="{78EC53B8-F088-40DA-A707-CBC008624F57}"/>
               </a:ext>
             </a:extLst>
           </p:cNvPr>
@@ -393,7 +393,7 @@
           <p:cNvPr id="3" name="Vertical Text Placeholder 2">
             <a:extLst>
               <a:ext uri="{FF2B5EF4-FFF2-40B4-BE49-F238E27FC236}">
-                <a16:creationId xmlns:a16="http://schemas.microsoft.com/office/drawing/2014/main" xmlns="" id="{9B616243-CB9D-4E32-846D-C96A846946C0}"/>
+                <a16:creationId xmlns:a16="http://schemas.microsoft.com/office/drawing/2014/main" id="{9B616243-CB9D-4E32-846D-C96A846946C0}"/>
               </a:ext>
             </a:extLst>
           </p:cNvPr>
@@ -450,7 +450,7 @@
           <p:cNvPr id="4" name="Date Placeholder 3">
             <a:extLst>
               <a:ext uri="{FF2B5EF4-FFF2-40B4-BE49-F238E27FC236}">
-                <a16:creationId xmlns:a16="http://schemas.microsoft.com/office/drawing/2014/main" xmlns="" id="{8F8AF133-CDE0-4375-A3C7-1161F7D1D795}"/>
+                <a16:creationId xmlns:a16="http://schemas.microsoft.com/office/drawing/2014/main" id="{8F8AF133-CDE0-4375-A3C7-1161F7D1D795}"/>
               </a:ext>
             </a:extLst>
           </p:cNvPr>
@@ -468,7 +468,7 @@
           <a:p>
             <a:fld id="{2178D830-3F43-4FD1-8429-BB0A4D09BA8E}" type="datetimeFigureOut">
               <a:rPr lang="en-US" smtClean="0"/>
-              <a:t>3/21/2018</a:t>
+              <a:t>3/26/2018</a:t>
             </a:fld>
             <a:endParaRPr lang="en-US"/>
           </a:p>
@@ -479,7 +479,7 @@
           <p:cNvPr id="5" name="Footer Placeholder 4">
             <a:extLst>
               <a:ext uri="{FF2B5EF4-FFF2-40B4-BE49-F238E27FC236}">
-                <a16:creationId xmlns:a16="http://schemas.microsoft.com/office/drawing/2014/main" xmlns="" id="{06A4B549-C578-4294-8953-BEDFDAFB143F}"/>
+                <a16:creationId xmlns:a16="http://schemas.microsoft.com/office/drawing/2014/main" id="{06A4B549-C578-4294-8953-BEDFDAFB143F}"/>
               </a:ext>
             </a:extLst>
           </p:cNvPr>
@@ -504,7 +504,7 @@
           <p:cNvPr id="6" name="Slide Number Placeholder 5">
             <a:extLst>
               <a:ext uri="{FF2B5EF4-FFF2-40B4-BE49-F238E27FC236}">
-                <a16:creationId xmlns:a16="http://schemas.microsoft.com/office/drawing/2014/main" xmlns="" id="{0E4D4664-1BB3-44DF-81C4-C7B95B4BCA71}"/>
+                <a16:creationId xmlns:a16="http://schemas.microsoft.com/office/drawing/2014/main" id="{0E4D4664-1BB3-44DF-81C4-C7B95B4BCA71}"/>
               </a:ext>
             </a:extLst>
           </p:cNvPr>
@@ -563,7 +563,7 @@
           <p:cNvPr id="2" name="Vertical Title 1">
             <a:extLst>
               <a:ext uri="{FF2B5EF4-FFF2-40B4-BE49-F238E27FC236}">
-                <a16:creationId xmlns:a16="http://schemas.microsoft.com/office/drawing/2014/main" xmlns="" id="{D2A71916-2C2C-4C55-9CFC-6ECC394740C4}"/>
+                <a16:creationId xmlns:a16="http://schemas.microsoft.com/office/drawing/2014/main" id="{D2A71916-2C2C-4C55-9CFC-6ECC394740C4}"/>
               </a:ext>
             </a:extLst>
           </p:cNvPr>
@@ -596,7 +596,7 @@
           <p:cNvPr id="3" name="Vertical Text Placeholder 2">
             <a:extLst>
               <a:ext uri="{FF2B5EF4-FFF2-40B4-BE49-F238E27FC236}">
-                <a16:creationId xmlns:a16="http://schemas.microsoft.com/office/drawing/2014/main" xmlns="" id="{FB48FC9E-D220-4E0A-816E-3E6F087C431B}"/>
+                <a16:creationId xmlns:a16="http://schemas.microsoft.com/office/drawing/2014/main" id="{FB48FC9E-D220-4E0A-816E-3E6F087C431B}"/>
               </a:ext>
             </a:extLst>
           </p:cNvPr>
@@ -658,7 +658,7 @@
           <p:cNvPr id="4" name="Date Placeholder 3">
             <a:extLst>
               <a:ext uri="{FF2B5EF4-FFF2-40B4-BE49-F238E27FC236}">
-                <a16:creationId xmlns:a16="http://schemas.microsoft.com/office/drawing/2014/main" xmlns="" id="{1C7E645F-6FA7-41E9-9198-F24534211D93}"/>
+                <a16:creationId xmlns:a16="http://schemas.microsoft.com/office/drawing/2014/main" id="{1C7E645F-6FA7-41E9-9198-F24534211D93}"/>
               </a:ext>
             </a:extLst>
           </p:cNvPr>
@@ -676,7 +676,7 @@
           <a:p>
             <a:fld id="{2178D830-3F43-4FD1-8429-BB0A4D09BA8E}" type="datetimeFigureOut">
               <a:rPr lang="en-US" smtClean="0"/>
-              <a:t>3/21/2018</a:t>
+              <a:t>3/26/2018</a:t>
             </a:fld>
             <a:endParaRPr lang="en-US"/>
           </a:p>
@@ -687,7 +687,7 @@
           <p:cNvPr id="5" name="Footer Placeholder 4">
             <a:extLst>
               <a:ext uri="{FF2B5EF4-FFF2-40B4-BE49-F238E27FC236}">
-                <a16:creationId xmlns:a16="http://schemas.microsoft.com/office/drawing/2014/main" xmlns="" id="{399EED38-BDB2-47BA-8383-CA99D77B8245}"/>
+                <a16:creationId xmlns:a16="http://schemas.microsoft.com/office/drawing/2014/main" id="{399EED38-BDB2-47BA-8383-CA99D77B8245}"/>
               </a:ext>
             </a:extLst>
           </p:cNvPr>
@@ -712,7 +712,7 @@
           <p:cNvPr id="6" name="Slide Number Placeholder 5">
             <a:extLst>
               <a:ext uri="{FF2B5EF4-FFF2-40B4-BE49-F238E27FC236}">
-                <a16:creationId xmlns:a16="http://schemas.microsoft.com/office/drawing/2014/main" xmlns="" id="{A9E56847-E503-4E38-A082-5C58796872E0}"/>
+                <a16:creationId xmlns:a16="http://schemas.microsoft.com/office/drawing/2014/main" id="{A9E56847-E503-4E38-A082-5C58796872E0}"/>
               </a:ext>
             </a:extLst>
           </p:cNvPr>
@@ -771,7 +771,7 @@
           <p:cNvPr id="2" name="Title 1">
             <a:extLst>
               <a:ext uri="{FF2B5EF4-FFF2-40B4-BE49-F238E27FC236}">
-                <a16:creationId xmlns:a16="http://schemas.microsoft.com/office/drawing/2014/main" xmlns="" id="{244D2487-51B2-4760-B976-2E8C695D9439}"/>
+                <a16:creationId xmlns:a16="http://schemas.microsoft.com/office/drawing/2014/main" id="{244D2487-51B2-4760-B976-2E8C695D9439}"/>
               </a:ext>
             </a:extLst>
           </p:cNvPr>
@@ -799,7 +799,7 @@
           <p:cNvPr id="3" name="Content Placeholder 2">
             <a:extLst>
               <a:ext uri="{FF2B5EF4-FFF2-40B4-BE49-F238E27FC236}">
-                <a16:creationId xmlns:a16="http://schemas.microsoft.com/office/drawing/2014/main" xmlns="" id="{80C65EED-40D8-4202-A7C0-36C7A362DA12}"/>
+                <a16:creationId xmlns:a16="http://schemas.microsoft.com/office/drawing/2014/main" id="{80C65EED-40D8-4202-A7C0-36C7A362DA12}"/>
               </a:ext>
             </a:extLst>
           </p:cNvPr>
@@ -856,7 +856,7 @@
           <p:cNvPr id="4" name="Date Placeholder 3">
             <a:extLst>
               <a:ext uri="{FF2B5EF4-FFF2-40B4-BE49-F238E27FC236}">
-                <a16:creationId xmlns:a16="http://schemas.microsoft.com/office/drawing/2014/main" xmlns="" id="{9DCACFE6-D77E-47DE-B8FC-93F51BC9F0E5}"/>
+                <a16:creationId xmlns:a16="http://schemas.microsoft.com/office/drawing/2014/main" id="{9DCACFE6-D77E-47DE-B8FC-93F51BC9F0E5}"/>
               </a:ext>
             </a:extLst>
           </p:cNvPr>
@@ -874,7 +874,7 @@
           <a:p>
             <a:fld id="{2178D830-3F43-4FD1-8429-BB0A4D09BA8E}" type="datetimeFigureOut">
               <a:rPr lang="en-US" smtClean="0"/>
-              <a:t>3/21/2018</a:t>
+              <a:t>3/26/2018</a:t>
             </a:fld>
             <a:endParaRPr lang="en-US"/>
           </a:p>
@@ -885,7 +885,7 @@
           <p:cNvPr id="5" name="Footer Placeholder 4">
             <a:extLst>
               <a:ext uri="{FF2B5EF4-FFF2-40B4-BE49-F238E27FC236}">
-                <a16:creationId xmlns:a16="http://schemas.microsoft.com/office/drawing/2014/main" xmlns="" id="{4A495444-C785-49D3-9A9A-91E3C3E4668C}"/>
+                <a16:creationId xmlns:a16="http://schemas.microsoft.com/office/drawing/2014/main" id="{4A495444-C785-49D3-9A9A-91E3C3E4668C}"/>
               </a:ext>
             </a:extLst>
           </p:cNvPr>
@@ -910,7 +910,7 @@
           <p:cNvPr id="6" name="Slide Number Placeholder 5">
             <a:extLst>
               <a:ext uri="{FF2B5EF4-FFF2-40B4-BE49-F238E27FC236}">
-                <a16:creationId xmlns:a16="http://schemas.microsoft.com/office/drawing/2014/main" xmlns="" id="{D80ABFBE-544A-474F-A56D-2B8FF4E8542C}"/>
+                <a16:creationId xmlns:a16="http://schemas.microsoft.com/office/drawing/2014/main" id="{D80ABFBE-544A-474F-A56D-2B8FF4E8542C}"/>
               </a:ext>
             </a:extLst>
           </p:cNvPr>
@@ -969,7 +969,7 @@
           <p:cNvPr id="2" name="Title 1">
             <a:extLst>
               <a:ext uri="{FF2B5EF4-FFF2-40B4-BE49-F238E27FC236}">
-                <a16:creationId xmlns:a16="http://schemas.microsoft.com/office/drawing/2014/main" xmlns="" id="{B23BC11E-6BD7-4CC6-A089-63E6A1F3B101}"/>
+                <a16:creationId xmlns:a16="http://schemas.microsoft.com/office/drawing/2014/main" id="{B23BC11E-6BD7-4CC6-A089-63E6A1F3B101}"/>
               </a:ext>
             </a:extLst>
           </p:cNvPr>
@@ -1006,7 +1006,7 @@
           <p:cNvPr id="3" name="Text Placeholder 2">
             <a:extLst>
               <a:ext uri="{FF2B5EF4-FFF2-40B4-BE49-F238E27FC236}">
-                <a16:creationId xmlns:a16="http://schemas.microsoft.com/office/drawing/2014/main" xmlns="" id="{DFE847D3-BE3A-4849-85BF-1B2BE2C82199}"/>
+                <a16:creationId xmlns:a16="http://schemas.microsoft.com/office/drawing/2014/main" id="{DFE847D3-BE3A-4849-85BF-1B2BE2C82199}"/>
               </a:ext>
             </a:extLst>
           </p:cNvPr>
@@ -1131,7 +1131,7 @@
           <p:cNvPr id="4" name="Date Placeholder 3">
             <a:extLst>
               <a:ext uri="{FF2B5EF4-FFF2-40B4-BE49-F238E27FC236}">
-                <a16:creationId xmlns:a16="http://schemas.microsoft.com/office/drawing/2014/main" xmlns="" id="{97A75AB8-A917-4C81-B88B-54939625288B}"/>
+                <a16:creationId xmlns:a16="http://schemas.microsoft.com/office/drawing/2014/main" id="{97A75AB8-A917-4C81-B88B-54939625288B}"/>
               </a:ext>
             </a:extLst>
           </p:cNvPr>
@@ -1149,7 +1149,7 @@
           <a:p>
             <a:fld id="{2178D830-3F43-4FD1-8429-BB0A4D09BA8E}" type="datetimeFigureOut">
               <a:rPr lang="en-US" smtClean="0"/>
-              <a:t>3/21/2018</a:t>
+              <a:t>3/26/2018</a:t>
             </a:fld>
             <a:endParaRPr lang="en-US"/>
           </a:p>
@@ -1160,7 +1160,7 @@
           <p:cNvPr id="5" name="Footer Placeholder 4">
             <a:extLst>
               <a:ext uri="{FF2B5EF4-FFF2-40B4-BE49-F238E27FC236}">
-                <a16:creationId xmlns:a16="http://schemas.microsoft.com/office/drawing/2014/main" xmlns="" id="{2020358B-CA68-4518-8F23-0E7D749CBA1D}"/>
+                <a16:creationId xmlns:a16="http://schemas.microsoft.com/office/drawing/2014/main" id="{2020358B-CA68-4518-8F23-0E7D749CBA1D}"/>
               </a:ext>
             </a:extLst>
           </p:cNvPr>
@@ -1185,7 +1185,7 @@
           <p:cNvPr id="6" name="Slide Number Placeholder 5">
             <a:extLst>
               <a:ext uri="{FF2B5EF4-FFF2-40B4-BE49-F238E27FC236}">
-                <a16:creationId xmlns:a16="http://schemas.microsoft.com/office/drawing/2014/main" xmlns="" id="{B0265622-FFFB-49CE-B1AA-761502016654}"/>
+                <a16:creationId xmlns:a16="http://schemas.microsoft.com/office/drawing/2014/main" id="{B0265622-FFFB-49CE-B1AA-761502016654}"/>
               </a:ext>
             </a:extLst>
           </p:cNvPr>
@@ -1244,7 +1244,7 @@
           <p:cNvPr id="2" name="Title 1">
             <a:extLst>
               <a:ext uri="{FF2B5EF4-FFF2-40B4-BE49-F238E27FC236}">
-                <a16:creationId xmlns:a16="http://schemas.microsoft.com/office/drawing/2014/main" xmlns="" id="{24701ABC-8CAE-400C-B3C9-24324989BD6D}"/>
+                <a16:creationId xmlns:a16="http://schemas.microsoft.com/office/drawing/2014/main" id="{24701ABC-8CAE-400C-B3C9-24324989BD6D}"/>
               </a:ext>
             </a:extLst>
           </p:cNvPr>
@@ -1272,7 +1272,7 @@
           <p:cNvPr id="3" name="Content Placeholder 2">
             <a:extLst>
               <a:ext uri="{FF2B5EF4-FFF2-40B4-BE49-F238E27FC236}">
-                <a16:creationId xmlns:a16="http://schemas.microsoft.com/office/drawing/2014/main" xmlns="" id="{B4C97843-FE5C-4195-B488-D2917229C7CF}"/>
+                <a16:creationId xmlns:a16="http://schemas.microsoft.com/office/drawing/2014/main" id="{B4C97843-FE5C-4195-B488-D2917229C7CF}"/>
               </a:ext>
             </a:extLst>
           </p:cNvPr>
@@ -1334,7 +1334,7 @@
           <p:cNvPr id="4" name="Content Placeholder 3">
             <a:extLst>
               <a:ext uri="{FF2B5EF4-FFF2-40B4-BE49-F238E27FC236}">
-                <a16:creationId xmlns:a16="http://schemas.microsoft.com/office/drawing/2014/main" xmlns="" id="{78FD6574-C3A6-44C4-8B86-73269D0129F8}"/>
+                <a16:creationId xmlns:a16="http://schemas.microsoft.com/office/drawing/2014/main" id="{78FD6574-C3A6-44C4-8B86-73269D0129F8}"/>
               </a:ext>
             </a:extLst>
           </p:cNvPr>
@@ -1396,7 +1396,7 @@
           <p:cNvPr id="5" name="Date Placeholder 4">
             <a:extLst>
               <a:ext uri="{FF2B5EF4-FFF2-40B4-BE49-F238E27FC236}">
-                <a16:creationId xmlns:a16="http://schemas.microsoft.com/office/drawing/2014/main" xmlns="" id="{E0F7DB21-D57E-48B4-B05C-E6F98C6AF818}"/>
+                <a16:creationId xmlns:a16="http://schemas.microsoft.com/office/drawing/2014/main" id="{E0F7DB21-D57E-48B4-B05C-E6F98C6AF818}"/>
               </a:ext>
             </a:extLst>
           </p:cNvPr>
@@ -1414,7 +1414,7 @@
           <a:p>
             <a:fld id="{2178D830-3F43-4FD1-8429-BB0A4D09BA8E}" type="datetimeFigureOut">
               <a:rPr lang="en-US" smtClean="0"/>
-              <a:t>3/21/2018</a:t>
+              <a:t>3/26/2018</a:t>
             </a:fld>
             <a:endParaRPr lang="en-US"/>
           </a:p>
@@ -1425,7 +1425,7 @@
           <p:cNvPr id="6" name="Footer Placeholder 5">
             <a:extLst>
               <a:ext uri="{FF2B5EF4-FFF2-40B4-BE49-F238E27FC236}">
-                <a16:creationId xmlns:a16="http://schemas.microsoft.com/office/drawing/2014/main" xmlns="" id="{92F37848-9B0B-43E7-9C99-B4F5D8F04A4E}"/>
+                <a16:creationId xmlns:a16="http://schemas.microsoft.com/office/drawing/2014/main" id="{92F37848-9B0B-43E7-9C99-B4F5D8F04A4E}"/>
               </a:ext>
             </a:extLst>
           </p:cNvPr>
@@ -1450,7 +1450,7 @@
           <p:cNvPr id="7" name="Slide Number Placeholder 6">
             <a:extLst>
               <a:ext uri="{FF2B5EF4-FFF2-40B4-BE49-F238E27FC236}">
-                <a16:creationId xmlns:a16="http://schemas.microsoft.com/office/drawing/2014/main" xmlns="" id="{40944D65-450E-4116-B449-A53CB94AF835}"/>
+                <a16:creationId xmlns:a16="http://schemas.microsoft.com/office/drawing/2014/main" id="{40944D65-450E-4116-B449-A53CB94AF835}"/>
               </a:ext>
             </a:extLst>
           </p:cNvPr>
@@ -1509,7 +1509,7 @@
           <p:cNvPr id="2" name="Title 1">
             <a:extLst>
               <a:ext uri="{FF2B5EF4-FFF2-40B4-BE49-F238E27FC236}">
-                <a16:creationId xmlns:a16="http://schemas.microsoft.com/office/drawing/2014/main" xmlns="" id="{0DEA9664-1A67-4AF1-994C-5C3CE7088BB2}"/>
+                <a16:creationId xmlns:a16="http://schemas.microsoft.com/office/drawing/2014/main" id="{0DEA9664-1A67-4AF1-994C-5C3CE7088BB2}"/>
               </a:ext>
             </a:extLst>
           </p:cNvPr>
@@ -1542,7 +1542,7 @@
           <p:cNvPr id="3" name="Text Placeholder 2">
             <a:extLst>
               <a:ext uri="{FF2B5EF4-FFF2-40B4-BE49-F238E27FC236}">
-                <a16:creationId xmlns:a16="http://schemas.microsoft.com/office/drawing/2014/main" xmlns="" id="{1FA6893F-EC91-4FB6-9766-2CE9B6F942BD}"/>
+                <a16:creationId xmlns:a16="http://schemas.microsoft.com/office/drawing/2014/main" id="{1FA6893F-EC91-4FB6-9766-2CE9B6F942BD}"/>
               </a:ext>
             </a:extLst>
           </p:cNvPr>
@@ -1613,7 +1613,7 @@
           <p:cNvPr id="4" name="Content Placeholder 3">
             <a:extLst>
               <a:ext uri="{FF2B5EF4-FFF2-40B4-BE49-F238E27FC236}">
-                <a16:creationId xmlns:a16="http://schemas.microsoft.com/office/drawing/2014/main" xmlns="" id="{46E29E2C-8063-482D-8D0B-7005A8324BD2}"/>
+                <a16:creationId xmlns:a16="http://schemas.microsoft.com/office/drawing/2014/main" id="{46E29E2C-8063-482D-8D0B-7005A8324BD2}"/>
               </a:ext>
             </a:extLst>
           </p:cNvPr>
@@ -1675,7 +1675,7 @@
           <p:cNvPr id="5" name="Text Placeholder 4">
             <a:extLst>
               <a:ext uri="{FF2B5EF4-FFF2-40B4-BE49-F238E27FC236}">
-                <a16:creationId xmlns:a16="http://schemas.microsoft.com/office/drawing/2014/main" xmlns="" id="{44820B36-3299-498A-8293-5F7B77F4F6FE}"/>
+                <a16:creationId xmlns:a16="http://schemas.microsoft.com/office/drawing/2014/main" id="{44820B36-3299-498A-8293-5F7B77F4F6FE}"/>
               </a:ext>
             </a:extLst>
           </p:cNvPr>
@@ -1746,7 +1746,7 @@
           <p:cNvPr id="6" name="Content Placeholder 5">
             <a:extLst>
               <a:ext uri="{FF2B5EF4-FFF2-40B4-BE49-F238E27FC236}">
-                <a16:creationId xmlns:a16="http://schemas.microsoft.com/office/drawing/2014/main" xmlns="" id="{870AD632-3DE1-47AE-896C-27219B9F7CAC}"/>
+                <a16:creationId xmlns:a16="http://schemas.microsoft.com/office/drawing/2014/main" id="{870AD632-3DE1-47AE-896C-27219B9F7CAC}"/>
               </a:ext>
             </a:extLst>
           </p:cNvPr>
@@ -1808,7 +1808,7 @@
           <p:cNvPr id="7" name="Date Placeholder 6">
             <a:extLst>
               <a:ext uri="{FF2B5EF4-FFF2-40B4-BE49-F238E27FC236}">
-                <a16:creationId xmlns:a16="http://schemas.microsoft.com/office/drawing/2014/main" xmlns="" id="{E8530A62-A44B-4D0B-A619-BDE0829CE33A}"/>
+                <a16:creationId xmlns:a16="http://schemas.microsoft.com/office/drawing/2014/main" id="{E8530A62-A44B-4D0B-A619-BDE0829CE33A}"/>
               </a:ext>
             </a:extLst>
           </p:cNvPr>
@@ -1826,7 +1826,7 @@
           <a:p>
             <a:fld id="{2178D830-3F43-4FD1-8429-BB0A4D09BA8E}" type="datetimeFigureOut">
               <a:rPr lang="en-US" smtClean="0"/>
-              <a:t>3/21/2018</a:t>
+              <a:t>3/26/2018</a:t>
             </a:fld>
             <a:endParaRPr lang="en-US"/>
           </a:p>
@@ -1837,7 +1837,7 @@
           <p:cNvPr id="8" name="Footer Placeholder 7">
             <a:extLst>
               <a:ext uri="{FF2B5EF4-FFF2-40B4-BE49-F238E27FC236}">
-                <a16:creationId xmlns:a16="http://schemas.microsoft.com/office/drawing/2014/main" xmlns="" id="{6B4A2C55-2828-4DF1-A996-F615A8C6BB4A}"/>
+                <a16:creationId xmlns:a16="http://schemas.microsoft.com/office/drawing/2014/main" id="{6B4A2C55-2828-4DF1-A996-F615A8C6BB4A}"/>
               </a:ext>
             </a:extLst>
           </p:cNvPr>
@@ -1862,7 +1862,7 @@
           <p:cNvPr id="9" name="Slide Number Placeholder 8">
             <a:extLst>
               <a:ext uri="{FF2B5EF4-FFF2-40B4-BE49-F238E27FC236}">
-                <a16:creationId xmlns:a16="http://schemas.microsoft.com/office/drawing/2014/main" xmlns="" id="{28B0FC43-FACE-4C1E-B8F4-A4EA647279DE}"/>
+                <a16:creationId xmlns:a16="http://schemas.microsoft.com/office/drawing/2014/main" id="{28B0FC43-FACE-4C1E-B8F4-A4EA647279DE}"/>
               </a:ext>
             </a:extLst>
           </p:cNvPr>
@@ -1921,7 +1921,7 @@
           <p:cNvPr id="2" name="Title 1">
             <a:extLst>
               <a:ext uri="{FF2B5EF4-FFF2-40B4-BE49-F238E27FC236}">
-                <a16:creationId xmlns:a16="http://schemas.microsoft.com/office/drawing/2014/main" xmlns="" id="{A9BF2D62-60C7-404C-B488-0B0D388072B8}"/>
+                <a16:creationId xmlns:a16="http://schemas.microsoft.com/office/drawing/2014/main" id="{A9BF2D62-60C7-404C-B488-0B0D388072B8}"/>
               </a:ext>
             </a:extLst>
           </p:cNvPr>
@@ -1949,7 +1949,7 @@
           <p:cNvPr id="3" name="Date Placeholder 2">
             <a:extLst>
               <a:ext uri="{FF2B5EF4-FFF2-40B4-BE49-F238E27FC236}">
-                <a16:creationId xmlns:a16="http://schemas.microsoft.com/office/drawing/2014/main" xmlns="" id="{097D1E84-0D7E-4422-8095-2759F61BB7FB}"/>
+                <a16:creationId xmlns:a16="http://schemas.microsoft.com/office/drawing/2014/main" id="{097D1E84-0D7E-4422-8095-2759F61BB7FB}"/>
               </a:ext>
             </a:extLst>
           </p:cNvPr>
@@ -1967,7 +1967,7 @@
           <a:p>
             <a:fld id="{2178D830-3F43-4FD1-8429-BB0A4D09BA8E}" type="datetimeFigureOut">
               <a:rPr lang="en-US" smtClean="0"/>
-              <a:t>3/21/2018</a:t>
+              <a:t>3/26/2018</a:t>
             </a:fld>
             <a:endParaRPr lang="en-US"/>
           </a:p>
@@ -1978,7 +1978,7 @@
           <p:cNvPr id="4" name="Footer Placeholder 3">
             <a:extLst>
               <a:ext uri="{FF2B5EF4-FFF2-40B4-BE49-F238E27FC236}">
-                <a16:creationId xmlns:a16="http://schemas.microsoft.com/office/drawing/2014/main" xmlns="" id="{4E62D5CF-BB99-4834-974A-7E7ED1634C4E}"/>
+                <a16:creationId xmlns:a16="http://schemas.microsoft.com/office/drawing/2014/main" id="{4E62D5CF-BB99-4834-974A-7E7ED1634C4E}"/>
               </a:ext>
             </a:extLst>
           </p:cNvPr>
@@ -2003,7 +2003,7 @@
           <p:cNvPr id="5" name="Slide Number Placeholder 4">
             <a:extLst>
               <a:ext uri="{FF2B5EF4-FFF2-40B4-BE49-F238E27FC236}">
-                <a16:creationId xmlns:a16="http://schemas.microsoft.com/office/drawing/2014/main" xmlns="" id="{035D51E6-578E-4CDB-8EBC-AC8BBFC3FD88}"/>
+                <a16:creationId xmlns:a16="http://schemas.microsoft.com/office/drawing/2014/main" id="{035D51E6-578E-4CDB-8EBC-AC8BBFC3FD88}"/>
               </a:ext>
             </a:extLst>
           </p:cNvPr>
@@ -2062,7 +2062,7 @@
           <p:cNvPr id="2" name="Date Placeholder 1">
             <a:extLst>
               <a:ext uri="{FF2B5EF4-FFF2-40B4-BE49-F238E27FC236}">
-                <a16:creationId xmlns:a16="http://schemas.microsoft.com/office/drawing/2014/main" xmlns="" id="{5C166E45-6178-4DA7-B140-F6AA11751813}"/>
+                <a16:creationId xmlns:a16="http://schemas.microsoft.com/office/drawing/2014/main" id="{5C166E45-6178-4DA7-B140-F6AA11751813}"/>
               </a:ext>
             </a:extLst>
           </p:cNvPr>
@@ -2080,7 +2080,7 @@
           <a:p>
             <a:fld id="{2178D830-3F43-4FD1-8429-BB0A4D09BA8E}" type="datetimeFigureOut">
               <a:rPr lang="en-US" smtClean="0"/>
-              <a:t>3/21/2018</a:t>
+              <a:t>3/26/2018</a:t>
             </a:fld>
             <a:endParaRPr lang="en-US"/>
           </a:p>
@@ -2091,7 +2091,7 @@
           <p:cNvPr id="3" name="Footer Placeholder 2">
             <a:extLst>
               <a:ext uri="{FF2B5EF4-FFF2-40B4-BE49-F238E27FC236}">
-                <a16:creationId xmlns:a16="http://schemas.microsoft.com/office/drawing/2014/main" xmlns="" id="{2C7BF34D-38DC-45BE-91C2-AA59C7912799}"/>
+                <a16:creationId xmlns:a16="http://schemas.microsoft.com/office/drawing/2014/main" id="{2C7BF34D-38DC-45BE-91C2-AA59C7912799}"/>
               </a:ext>
             </a:extLst>
           </p:cNvPr>
@@ -2116,7 +2116,7 @@
           <p:cNvPr id="4" name="Slide Number Placeholder 3">
             <a:extLst>
               <a:ext uri="{FF2B5EF4-FFF2-40B4-BE49-F238E27FC236}">
-                <a16:creationId xmlns:a16="http://schemas.microsoft.com/office/drawing/2014/main" xmlns="" id="{85DCCC92-832A-49DD-9127-80C78F8F1D56}"/>
+                <a16:creationId xmlns:a16="http://schemas.microsoft.com/office/drawing/2014/main" id="{85DCCC92-832A-49DD-9127-80C78F8F1D56}"/>
               </a:ext>
             </a:extLst>
           </p:cNvPr>
@@ -2175,7 +2175,7 @@
           <p:cNvPr id="2" name="Title 1">
             <a:extLst>
               <a:ext uri="{FF2B5EF4-FFF2-40B4-BE49-F238E27FC236}">
-                <a16:creationId xmlns:a16="http://schemas.microsoft.com/office/drawing/2014/main" xmlns="" id="{53E61277-4A23-437C-9D82-818067941F7E}"/>
+                <a16:creationId xmlns:a16="http://schemas.microsoft.com/office/drawing/2014/main" id="{53E61277-4A23-437C-9D82-818067941F7E}"/>
               </a:ext>
             </a:extLst>
           </p:cNvPr>
@@ -2212,7 +2212,7 @@
           <p:cNvPr id="3" name="Content Placeholder 2">
             <a:extLst>
               <a:ext uri="{FF2B5EF4-FFF2-40B4-BE49-F238E27FC236}">
-                <a16:creationId xmlns:a16="http://schemas.microsoft.com/office/drawing/2014/main" xmlns="" id="{3370A0FC-B18C-4C55-AB5C-582BBF06E392}"/>
+                <a16:creationId xmlns:a16="http://schemas.microsoft.com/office/drawing/2014/main" id="{3370A0FC-B18C-4C55-AB5C-582BBF06E392}"/>
               </a:ext>
             </a:extLst>
           </p:cNvPr>
@@ -2302,7 +2302,7 @@
           <p:cNvPr id="4" name="Text Placeholder 3">
             <a:extLst>
               <a:ext uri="{FF2B5EF4-FFF2-40B4-BE49-F238E27FC236}">
-                <a16:creationId xmlns:a16="http://schemas.microsoft.com/office/drawing/2014/main" xmlns="" id="{A1EFC120-41B2-4AA4-94B5-29B4BFD4C062}"/>
+                <a16:creationId xmlns:a16="http://schemas.microsoft.com/office/drawing/2014/main" id="{A1EFC120-41B2-4AA4-94B5-29B4BFD4C062}"/>
               </a:ext>
             </a:extLst>
           </p:cNvPr>
@@ -2373,7 +2373,7 @@
           <p:cNvPr id="5" name="Date Placeholder 4">
             <a:extLst>
               <a:ext uri="{FF2B5EF4-FFF2-40B4-BE49-F238E27FC236}">
-                <a16:creationId xmlns:a16="http://schemas.microsoft.com/office/drawing/2014/main" xmlns="" id="{C53E38ED-E35F-4553-873F-66D1D110DCC5}"/>
+                <a16:creationId xmlns:a16="http://schemas.microsoft.com/office/drawing/2014/main" id="{C53E38ED-E35F-4553-873F-66D1D110DCC5}"/>
               </a:ext>
             </a:extLst>
           </p:cNvPr>
@@ -2391,7 +2391,7 @@
           <a:p>
             <a:fld id="{2178D830-3F43-4FD1-8429-BB0A4D09BA8E}" type="datetimeFigureOut">
               <a:rPr lang="en-US" smtClean="0"/>
-              <a:t>3/21/2018</a:t>
+              <a:t>3/26/2018</a:t>
             </a:fld>
             <a:endParaRPr lang="en-US"/>
           </a:p>
@@ -2402,7 +2402,7 @@
           <p:cNvPr id="6" name="Footer Placeholder 5">
             <a:extLst>
               <a:ext uri="{FF2B5EF4-FFF2-40B4-BE49-F238E27FC236}">
-                <a16:creationId xmlns:a16="http://schemas.microsoft.com/office/drawing/2014/main" xmlns="" id="{85037CEF-ADEF-4A39-AB2D-9837FE02173F}"/>
+                <a16:creationId xmlns:a16="http://schemas.microsoft.com/office/drawing/2014/main" id="{85037CEF-ADEF-4A39-AB2D-9837FE02173F}"/>
               </a:ext>
             </a:extLst>
           </p:cNvPr>
@@ -2427,7 +2427,7 @@
           <p:cNvPr id="7" name="Slide Number Placeholder 6">
             <a:extLst>
               <a:ext uri="{FF2B5EF4-FFF2-40B4-BE49-F238E27FC236}">
-                <a16:creationId xmlns:a16="http://schemas.microsoft.com/office/drawing/2014/main" xmlns="" id="{E804A7EC-A111-4488-A499-5EBD1DC4B216}"/>
+                <a16:creationId xmlns:a16="http://schemas.microsoft.com/office/drawing/2014/main" id="{E804A7EC-A111-4488-A499-5EBD1DC4B216}"/>
               </a:ext>
             </a:extLst>
           </p:cNvPr>
@@ -2486,7 +2486,7 @@
           <p:cNvPr id="2" name="Title 1">
             <a:extLst>
               <a:ext uri="{FF2B5EF4-FFF2-40B4-BE49-F238E27FC236}">
-                <a16:creationId xmlns:a16="http://schemas.microsoft.com/office/drawing/2014/main" xmlns="" id="{FA93E2D4-DA4A-45AF-AD50-D3717A28DE8A}"/>
+                <a16:creationId xmlns:a16="http://schemas.microsoft.com/office/drawing/2014/main" id="{FA93E2D4-DA4A-45AF-AD50-D3717A28DE8A}"/>
               </a:ext>
             </a:extLst>
           </p:cNvPr>
@@ -2523,7 +2523,7 @@
           <p:cNvPr id="3" name="Picture Placeholder 2">
             <a:extLst>
               <a:ext uri="{FF2B5EF4-FFF2-40B4-BE49-F238E27FC236}">
-                <a16:creationId xmlns:a16="http://schemas.microsoft.com/office/drawing/2014/main" xmlns="" id="{4C434340-4749-40E7-ACAE-3101E894350C}"/>
+                <a16:creationId xmlns:a16="http://schemas.microsoft.com/office/drawing/2014/main" id="{4C434340-4749-40E7-ACAE-3101E894350C}"/>
               </a:ext>
             </a:extLst>
           </p:cNvPr>
@@ -2590,7 +2590,7 @@
           <p:cNvPr id="4" name="Text Placeholder 3">
             <a:extLst>
               <a:ext uri="{FF2B5EF4-FFF2-40B4-BE49-F238E27FC236}">
-                <a16:creationId xmlns:a16="http://schemas.microsoft.com/office/drawing/2014/main" xmlns="" id="{B5D9E091-BAB4-4440-9747-017F8779DB66}"/>
+                <a16:creationId xmlns:a16="http://schemas.microsoft.com/office/drawing/2014/main" id="{B5D9E091-BAB4-4440-9747-017F8779DB66}"/>
               </a:ext>
             </a:extLst>
           </p:cNvPr>
@@ -2661,7 +2661,7 @@
           <p:cNvPr id="5" name="Date Placeholder 4">
             <a:extLst>
               <a:ext uri="{FF2B5EF4-FFF2-40B4-BE49-F238E27FC236}">
-                <a16:creationId xmlns:a16="http://schemas.microsoft.com/office/drawing/2014/main" xmlns="" id="{85283B18-728B-46E5-815E-33CEA87A41C5}"/>
+                <a16:creationId xmlns:a16="http://schemas.microsoft.com/office/drawing/2014/main" id="{85283B18-728B-46E5-815E-33CEA87A41C5}"/>
               </a:ext>
             </a:extLst>
           </p:cNvPr>
@@ -2679,7 +2679,7 @@
           <a:p>
             <a:fld id="{2178D830-3F43-4FD1-8429-BB0A4D09BA8E}" type="datetimeFigureOut">
               <a:rPr lang="en-US" smtClean="0"/>
-              <a:t>3/21/2018</a:t>
+              <a:t>3/26/2018</a:t>
             </a:fld>
             <a:endParaRPr lang="en-US"/>
           </a:p>
@@ -2690,7 +2690,7 @@
           <p:cNvPr id="6" name="Footer Placeholder 5">
             <a:extLst>
               <a:ext uri="{FF2B5EF4-FFF2-40B4-BE49-F238E27FC236}">
-                <a16:creationId xmlns:a16="http://schemas.microsoft.com/office/drawing/2014/main" xmlns="" id="{33A086D5-417F-4D8D-A4BD-7B158877EF8C}"/>
+                <a16:creationId xmlns:a16="http://schemas.microsoft.com/office/drawing/2014/main" id="{33A086D5-417F-4D8D-A4BD-7B158877EF8C}"/>
               </a:ext>
             </a:extLst>
           </p:cNvPr>
@@ -2715,7 +2715,7 @@
           <p:cNvPr id="7" name="Slide Number Placeholder 6">
             <a:extLst>
               <a:ext uri="{FF2B5EF4-FFF2-40B4-BE49-F238E27FC236}">
-                <a16:creationId xmlns:a16="http://schemas.microsoft.com/office/drawing/2014/main" xmlns="" id="{FA1C0AF1-6F77-443F-8BF8-150467E9BBCB}"/>
+                <a16:creationId xmlns:a16="http://schemas.microsoft.com/office/drawing/2014/main" id="{FA1C0AF1-6F77-443F-8BF8-150467E9BBCB}"/>
               </a:ext>
             </a:extLst>
           </p:cNvPr>
@@ -2793,7 +2793,7 @@
           <p:cNvPr id="2" name="Title Placeholder 1">
             <a:extLst>
               <a:ext uri="{FF2B5EF4-FFF2-40B4-BE49-F238E27FC236}">
-                <a16:creationId xmlns:a16="http://schemas.microsoft.com/office/drawing/2014/main" xmlns="" id="{357C544A-D8AB-4FA3-88CF-D5739D27050D}"/>
+                <a16:creationId xmlns:a16="http://schemas.microsoft.com/office/drawing/2014/main" id="{357C544A-D8AB-4FA3-88CF-D5739D27050D}"/>
               </a:ext>
             </a:extLst>
           </p:cNvPr>
@@ -2831,7 +2831,7 @@
           <p:cNvPr id="3" name="Text Placeholder 2">
             <a:extLst>
               <a:ext uri="{FF2B5EF4-FFF2-40B4-BE49-F238E27FC236}">
-                <a16:creationId xmlns:a16="http://schemas.microsoft.com/office/drawing/2014/main" xmlns="" id="{D4567A77-B2A5-4E77-98DD-04EC1ED523FE}"/>
+                <a16:creationId xmlns:a16="http://schemas.microsoft.com/office/drawing/2014/main" id="{D4567A77-B2A5-4E77-98DD-04EC1ED523FE}"/>
               </a:ext>
             </a:extLst>
           </p:cNvPr>
@@ -2898,7 +2898,7 @@
           <p:cNvPr id="4" name="Date Placeholder 3">
             <a:extLst>
               <a:ext uri="{FF2B5EF4-FFF2-40B4-BE49-F238E27FC236}">
-                <a16:creationId xmlns:a16="http://schemas.microsoft.com/office/drawing/2014/main" xmlns="" id="{F2D71369-58E4-472A-A87E-E5B2179A8DCE}"/>
+                <a16:creationId xmlns:a16="http://schemas.microsoft.com/office/drawing/2014/main" id="{F2D71369-58E4-472A-A87E-E5B2179A8DCE}"/>
               </a:ext>
             </a:extLst>
           </p:cNvPr>
@@ -2934,7 +2934,7 @@
           <a:p>
             <a:fld id="{2178D830-3F43-4FD1-8429-BB0A4D09BA8E}" type="datetimeFigureOut">
               <a:rPr lang="en-US" smtClean="0"/>
-              <a:t>3/21/2018</a:t>
+              <a:t>3/26/2018</a:t>
             </a:fld>
             <a:endParaRPr lang="en-US"/>
           </a:p>
@@ -2945,7 +2945,7 @@
           <p:cNvPr id="5" name="Footer Placeholder 4">
             <a:extLst>
               <a:ext uri="{FF2B5EF4-FFF2-40B4-BE49-F238E27FC236}">
-                <a16:creationId xmlns:a16="http://schemas.microsoft.com/office/drawing/2014/main" xmlns="" id="{24D213C7-3629-4765-A71F-786A54EE982C}"/>
+                <a16:creationId xmlns:a16="http://schemas.microsoft.com/office/drawing/2014/main" id="{24D213C7-3629-4765-A71F-786A54EE982C}"/>
               </a:ext>
             </a:extLst>
           </p:cNvPr>
@@ -2988,7 +2988,7 @@
           <p:cNvPr id="6" name="Slide Number Placeholder 5">
             <a:extLst>
               <a:ext uri="{FF2B5EF4-FFF2-40B4-BE49-F238E27FC236}">
-                <a16:creationId xmlns:a16="http://schemas.microsoft.com/office/drawing/2014/main" xmlns="" id="{812FC010-5255-4121-A8D7-7457D279B252}"/>
+                <a16:creationId xmlns:a16="http://schemas.microsoft.com/office/drawing/2014/main" id="{812FC010-5255-4121-A8D7-7457D279B252}"/>
               </a:ext>
             </a:extLst>
           </p:cNvPr>
@@ -3471,10 +3471,9 @@
           <a:p>
             <a:pPr algn="ctr"/>
             <a:r>
-              <a:rPr lang="en-US" dirty="0" smtClean="0"/>
-              <a:t>Creative</a:t>
-            </a:r>
-            <a:endParaRPr lang="en-US" dirty="0"/>
+              <a:rPr lang="en-US" dirty="0"/>
+              <a:t>Creativity</a:t>
+            </a:r>
           </a:p>
         </p:txBody>
       </p:sp>
@@ -3518,10 +3517,9 @@
           <a:p>
             <a:pPr algn="ctr"/>
             <a:r>
-              <a:rPr lang="en-US" dirty="0" smtClean="0"/>
+              <a:rPr lang="en-US" dirty="0"/>
               <a:t>Sharing</a:t>
             </a:r>
-            <a:endParaRPr lang="en-US" dirty="0"/>
           </a:p>
         </p:txBody>
       </p:sp>
@@ -3565,10 +3563,9 @@
           <a:p>
             <a:pPr algn="ctr"/>
             <a:r>
-              <a:rPr lang="en-US" dirty="0" smtClean="0"/>
+              <a:rPr lang="en-US" dirty="0"/>
               <a:t>Inspiring</a:t>
             </a:r>
-            <a:endParaRPr lang="en-US" dirty="0"/>
           </a:p>
         </p:txBody>
       </p:sp>
@@ -3874,7 +3871,7 @@
   <a:extraClrSchemeLst/>
   <a:extLst>
     <a:ext uri="{05A4C25C-085E-4340-85A3-A5531E510DB2}">
-      <thm15:themeFamily xmlns:thm15="http://schemas.microsoft.com/office/thememl/2012/main" xmlns="" name="Office Theme" id="{62F939B6-93AF-4DB8-9C6B-D6C7DFDC589F}" vid="{4A3C46E8-61CC-4603-A589-7422A47A8E4A}"/>
+      <thm15:themeFamily xmlns:thm15="http://schemas.microsoft.com/office/thememl/2012/main" name="Office Theme" id="{62F939B6-93AF-4DB8-9C6B-D6C7DFDC589F}" vid="{4A3C46E8-61CC-4603-A589-7422A47A8E4A}"/>
     </a:ext>
   </a:extLst>
 </a:theme>
